--- a/Dokumentation/RC-Auto.pptx
+++ b/Dokumentation/RC-Auto.pptx
@@ -8,11 +8,14 @@
     <p:sldId id="256" r:id="rId2"/>
     <p:sldId id="257" r:id="rId3"/>
     <p:sldId id="258" r:id="rId4"/>
-    <p:sldId id="259" r:id="rId5"/>
-    <p:sldId id="260" r:id="rId6"/>
-    <p:sldId id="261" r:id="rId7"/>
-    <p:sldId id="262" r:id="rId8"/>
-    <p:sldId id="263" r:id="rId9"/>
+    <p:sldId id="265" r:id="rId5"/>
+    <p:sldId id="259" r:id="rId6"/>
+    <p:sldId id="264" r:id="rId7"/>
+    <p:sldId id="266" r:id="rId8"/>
+    <p:sldId id="260" r:id="rId9"/>
+    <p:sldId id="261" r:id="rId10"/>
+    <p:sldId id="262" r:id="rId11"/>
+    <p:sldId id="263" r:id="rId12"/>
   </p:sldIdLst>
   <p:sldSz cx="12192000" cy="6858000"/>
   <p:notesSz cx="6858000" cy="9144000"/>
@@ -119,7 +122,10 @@
             <p14:sldId id="256"/>
             <p14:sldId id="257"/>
             <p14:sldId id="258"/>
+            <p14:sldId id="265"/>
             <p14:sldId id="259"/>
+            <p14:sldId id="264"/>
+            <p14:sldId id="266"/>
             <p14:sldId id="260"/>
             <p14:sldId id="261"/>
             <p14:sldId id="262"/>
@@ -127,6 +133,9 @@
           </p14:sldIdLst>
         </p14:section>
       </p14:sectionLst>
+    </p:ext>
+    <p:ext uri="{EFAFB233-063F-42B5-8137-9DF3F51BA10A}">
+      <p15:sldGuideLst xmlns:p15="http://schemas.microsoft.com/office/powerpoint/2012/main"/>
     </p:ext>
   </p:extLst>
 </p:presentation>
@@ -3412,6 +3421,256 @@
 </p:sld>
 </file>
 
+<file path=ppt/slides/slide10.xml><?xml version="1.0" encoding="utf-8"?>
+<p:sld xmlns:a="http://schemas.openxmlformats.org/drawingml/2006/main" xmlns:r="http://schemas.openxmlformats.org/officeDocument/2006/relationships" xmlns:p="http://schemas.openxmlformats.org/presentationml/2006/main">
+  <p:cSld>
+    <p:spTree>
+      <p:nvGrpSpPr>
+        <p:cNvPr id="1" name=""/>
+        <p:cNvGrpSpPr/>
+        <p:nvPr/>
+      </p:nvGrpSpPr>
+      <p:grpSpPr>
+        <a:xfrm>
+          <a:off x="0" y="0"/>
+          <a:ext cx="0" cy="0"/>
+          <a:chOff x="0" y="0"/>
+          <a:chExt cx="0" cy="0"/>
+        </a:xfrm>
+      </p:grpSpPr>
+      <p:sp>
+        <p:nvSpPr>
+          <p:cNvPr id="2" name="Titel 1">
+            <a:extLst>
+              <a:ext uri="{FF2B5EF4-FFF2-40B4-BE49-F238E27FC236}">
+                <a16:creationId xmlns:a16="http://schemas.microsoft.com/office/drawing/2014/main" id="{48629F25-98C8-FC66-3209-B20CD6858FC1}"/>
+              </a:ext>
+            </a:extLst>
+          </p:cNvPr>
+          <p:cNvSpPr>
+            <a:spLocks noGrp="1"/>
+          </p:cNvSpPr>
+          <p:nvPr>
+            <p:ph type="title"/>
+          </p:nvPr>
+        </p:nvSpPr>
+        <p:spPr/>
+        <p:txBody>
+          <a:bodyPr/>
+          <a:lstStyle/>
+          <a:p>
+            <a:r>
+              <a:rPr lang="de-DE" dirty="0"/>
+              <a:t>6. </a:t>
+            </a:r>
+            <a:r>
+              <a:rPr lang="de-DE" b="0" i="0" dirty="0">
+                <a:solidFill>
+                  <a:srgbClr val="1D2125"/>
+                </a:solidFill>
+                <a:effectLst/>
+                <a:latin typeface="-apple-system"/>
+              </a:rPr>
+              <a:t>Test</a:t>
+            </a:r>
+            <a:endParaRPr lang="de-DE" dirty="0"/>
+          </a:p>
+        </p:txBody>
+      </p:sp>
+      <p:sp>
+        <p:nvSpPr>
+          <p:cNvPr id="3" name="Inhaltsplatzhalter 2">
+            <a:extLst>
+              <a:ext uri="{FF2B5EF4-FFF2-40B4-BE49-F238E27FC236}">
+                <a16:creationId xmlns:a16="http://schemas.microsoft.com/office/drawing/2014/main" id="{2F898F20-E12A-FF57-E4F0-C5AE75A2F934}"/>
+              </a:ext>
+            </a:extLst>
+          </p:cNvPr>
+          <p:cNvSpPr>
+            <a:spLocks noGrp="1"/>
+          </p:cNvSpPr>
+          <p:nvPr>
+            <p:ph idx="1"/>
+          </p:nvPr>
+        </p:nvSpPr>
+        <p:spPr/>
+        <p:txBody>
+          <a:bodyPr/>
+          <a:lstStyle/>
+          <a:p>
+            <a:endParaRPr lang="de-DE" dirty="0"/>
+          </a:p>
+        </p:txBody>
+      </p:sp>
+    </p:spTree>
+    <p:extLst>
+      <p:ext uri="{BB962C8B-B14F-4D97-AF65-F5344CB8AC3E}">
+        <p14:creationId xmlns:p14="http://schemas.microsoft.com/office/powerpoint/2010/main" val="825534152"/>
+      </p:ext>
+    </p:extLst>
+  </p:cSld>
+  <p:clrMapOvr>
+    <a:masterClrMapping/>
+  </p:clrMapOvr>
+</p:sld>
+</file>
+
+<file path=ppt/slides/slide11.xml><?xml version="1.0" encoding="utf-8"?>
+<p:sld xmlns:a="http://schemas.openxmlformats.org/drawingml/2006/main" xmlns:r="http://schemas.openxmlformats.org/officeDocument/2006/relationships" xmlns:p="http://schemas.openxmlformats.org/presentationml/2006/main">
+  <p:cSld>
+    <p:spTree>
+      <p:nvGrpSpPr>
+        <p:cNvPr id="1" name=""/>
+        <p:cNvGrpSpPr/>
+        <p:nvPr/>
+      </p:nvGrpSpPr>
+      <p:grpSpPr>
+        <a:xfrm>
+          <a:off x="0" y="0"/>
+          <a:ext cx="0" cy="0"/>
+          <a:chOff x="0" y="0"/>
+          <a:chExt cx="0" cy="0"/>
+        </a:xfrm>
+      </p:grpSpPr>
+      <p:sp>
+        <p:nvSpPr>
+          <p:cNvPr id="2" name="Titel 1">
+            <a:extLst>
+              <a:ext uri="{FF2B5EF4-FFF2-40B4-BE49-F238E27FC236}">
+                <a16:creationId xmlns:a16="http://schemas.microsoft.com/office/drawing/2014/main" id="{1EF062CF-EC8D-D9BF-0A64-470A095104AD}"/>
+              </a:ext>
+            </a:extLst>
+          </p:cNvPr>
+          <p:cNvSpPr>
+            <a:spLocks noGrp="1"/>
+          </p:cNvSpPr>
+          <p:nvPr>
+            <p:ph type="title"/>
+          </p:nvPr>
+        </p:nvSpPr>
+        <p:spPr/>
+        <p:txBody>
+          <a:bodyPr/>
+          <a:lstStyle/>
+          <a:p>
+            <a:r>
+              <a:rPr lang="de-DE" dirty="0"/>
+              <a:t>7. </a:t>
+            </a:r>
+            <a:r>
+              <a:rPr lang="de-DE" b="0" i="0" dirty="0">
+                <a:solidFill>
+                  <a:srgbClr val="1D2125"/>
+                </a:solidFill>
+                <a:effectLst/>
+                <a:latin typeface="-apple-system"/>
+              </a:rPr>
+              <a:t>Fazit und Ausblick</a:t>
+            </a:r>
+            <a:endParaRPr lang="de-DE" dirty="0"/>
+          </a:p>
+        </p:txBody>
+      </p:sp>
+      <p:sp>
+        <p:nvSpPr>
+          <p:cNvPr id="3" name="Inhaltsplatzhalter 2">
+            <a:extLst>
+              <a:ext uri="{FF2B5EF4-FFF2-40B4-BE49-F238E27FC236}">
+                <a16:creationId xmlns:a16="http://schemas.microsoft.com/office/drawing/2014/main" id="{10DB06EC-AA2A-E7E4-3A4A-DD8F9D322768}"/>
+              </a:ext>
+            </a:extLst>
+          </p:cNvPr>
+          <p:cNvSpPr>
+            <a:spLocks noGrp="1"/>
+          </p:cNvSpPr>
+          <p:nvPr>
+            <p:ph idx="1"/>
+          </p:nvPr>
+        </p:nvSpPr>
+        <p:spPr/>
+        <p:txBody>
+          <a:bodyPr/>
+          <a:lstStyle/>
+          <a:p>
+            <a:pPr marL="0" indent="0">
+              <a:buNone/>
+            </a:pPr>
+            <a:endParaRPr lang="de-DE" dirty="0"/>
+          </a:p>
+          <a:p>
+            <a:r>
+              <a:rPr lang="de-DE" dirty="0"/>
+              <a:t>Erweiterungen:</a:t>
+            </a:r>
+          </a:p>
+          <a:p>
+            <a:pPr lvl="1"/>
+            <a:r>
+              <a:rPr lang="de-DE" dirty="0"/>
+              <a:t>Autonomes fahren</a:t>
+            </a:r>
+          </a:p>
+          <a:p>
+            <a:pPr lvl="1"/>
+            <a:r>
+              <a:rPr lang="de-DE" dirty="0"/>
+              <a:t>Einstellbare Geschwindigkeit</a:t>
+            </a:r>
+          </a:p>
+          <a:p>
+            <a:pPr lvl="1"/>
+            <a:endParaRPr lang="de-DE" dirty="0"/>
+          </a:p>
+          <a:p>
+            <a:r>
+              <a:rPr lang="de-DE" dirty="0"/>
+              <a:t>Benutzerfreundlichkeit verbessern </a:t>
+            </a:r>
+          </a:p>
+          <a:p>
+            <a:pPr lvl="1"/>
+            <a:r>
+              <a:rPr lang="de-DE" dirty="0"/>
+              <a:t>IP-Adresse am Raspberry Pi anzeigen</a:t>
+            </a:r>
+          </a:p>
+          <a:p>
+            <a:pPr lvl="1"/>
+            <a:r>
+              <a:rPr lang="de-DE" dirty="0"/>
+              <a:t>Verbindungstatus anzeigen</a:t>
+            </a:r>
+          </a:p>
+          <a:p>
+            <a:pPr lvl="1"/>
+            <a:r>
+              <a:rPr lang="de-DE" dirty="0"/>
+              <a:t>WLAN-Verbindung direkt am Auto einstellen</a:t>
+            </a:r>
+          </a:p>
+          <a:p>
+            <a:pPr lvl="1"/>
+            <a:endParaRPr lang="de-DE" dirty="0"/>
+          </a:p>
+          <a:p>
+            <a:pPr lvl="1"/>
+            <a:endParaRPr lang="de-DE" dirty="0"/>
+          </a:p>
+        </p:txBody>
+      </p:sp>
+    </p:spTree>
+    <p:extLst>
+      <p:ext uri="{BB962C8B-B14F-4D97-AF65-F5344CB8AC3E}">
+        <p14:creationId xmlns:p14="http://schemas.microsoft.com/office/powerpoint/2010/main" val="2899709994"/>
+      </p:ext>
+    </p:extLst>
+  </p:cSld>
+  <p:clrMapOvr>
+    <a:masterClrMapping/>
+  </p:clrMapOvr>
+</p:sld>
+</file>
+
 <file path=ppt/slides/slide2.xml><?xml version="1.0" encoding="utf-8"?>
 <p:sld xmlns:a="http://schemas.openxmlformats.org/drawingml/2006/main" xmlns:r="http://schemas.openxmlformats.org/officeDocument/2006/relationships" xmlns:p="http://schemas.openxmlformats.org/presentationml/2006/main">
   <p:cSld>
@@ -3561,7 +3820,10 @@
           <a:bodyPr/>
           <a:lstStyle/>
           <a:p>
-            <a:endParaRPr lang="de-DE" dirty="0"/>
+            <a:r>
+              <a:rPr lang="de-DE" dirty="0"/>
+              <a:t>Use Case:</a:t>
+            </a:r>
           </a:p>
         </p:txBody>
       </p:sp>
@@ -3583,7 +3845,13 @@
   <p:cSld>
     <p:spTree>
       <p:nvGrpSpPr>
-        <p:cNvPr id="1" name=""/>
+        <p:cNvPr id="1" name="">
+          <a:extLst>
+            <a:ext uri="{FF2B5EF4-FFF2-40B4-BE49-F238E27FC236}">
+              <a16:creationId xmlns:a16="http://schemas.microsoft.com/office/drawing/2014/main" id="{C4FA63A1-1D89-475E-025F-F649A5803C35}"/>
+            </a:ext>
+          </a:extLst>
+        </p:cNvPr>
         <p:cNvGrpSpPr/>
         <p:nvPr/>
       </p:nvGrpSpPr>
@@ -3600,7 +3868,7 @@
           <p:cNvPr id="2" name="Titel 1">
             <a:extLst>
               <a:ext uri="{FF2B5EF4-FFF2-40B4-BE49-F238E27FC236}">
-                <a16:creationId xmlns:a16="http://schemas.microsoft.com/office/drawing/2014/main" id="{B22167F9-CFCD-9566-124A-9F5980BC373C}"/>
+                <a16:creationId xmlns:a16="http://schemas.microsoft.com/office/drawing/2014/main" id="{8C371628-F732-CB69-8BB8-B0D10E36692D}"/>
               </a:ext>
             </a:extLst>
           </p:cNvPr>
@@ -3618,8 +3886,18 @@
           <a:p>
             <a:r>
               <a:rPr lang="de-DE" dirty="0"/>
-              <a:t>3. Projektplan</a:t>
-            </a:r>
+              <a:t>3. </a:t>
+            </a:r>
+            <a:r>
+              <a:rPr lang="de-DE" dirty="0">
+                <a:solidFill>
+                  <a:srgbClr val="1D2125"/>
+                </a:solidFill>
+                <a:latin typeface="-apple-system"/>
+              </a:rPr>
+              <a:t>Projektplan</a:t>
+            </a:r>
+            <a:endParaRPr lang="de-DE" dirty="0"/>
           </a:p>
         </p:txBody>
       </p:sp>
@@ -3628,7 +3906,7 @@
           <p:cNvPr id="3" name="Inhaltsplatzhalter 2">
             <a:extLst>
               <a:ext uri="{FF2B5EF4-FFF2-40B4-BE49-F238E27FC236}">
-                <a16:creationId xmlns:a16="http://schemas.microsoft.com/office/drawing/2014/main" id="{4306CC4E-E49D-8C53-3D0D-A29E7B3DF4EC}"/>
+                <a16:creationId xmlns:a16="http://schemas.microsoft.com/office/drawing/2014/main" id="{61A9487A-7191-84FA-B471-B153127D9D9B}"/>
               </a:ext>
             </a:extLst>
           </p:cNvPr>
@@ -3644,14 +3922,26 @@
           <a:bodyPr/>
           <a:lstStyle/>
           <a:p>
-            <a:endParaRPr lang="de-DE"/>
+            <a:pPr marL="0" indent="0" algn="l">
+              <a:buNone/>
+            </a:pPr>
+            <a:r>
+              <a:rPr lang="de-DE" b="0" i="0" dirty="0">
+                <a:solidFill>
+                  <a:srgbClr val="1D2125"/>
+                </a:solidFill>
+                <a:effectLst/>
+                <a:latin typeface="-apple-system"/>
+              </a:rPr>
+              <a:t>Arbeitspaketstruktur:</a:t>
+            </a:r>
           </a:p>
         </p:txBody>
       </p:sp>
     </p:spTree>
     <p:extLst>
       <p:ext uri="{BB962C8B-B14F-4D97-AF65-F5344CB8AC3E}">
-        <p14:creationId xmlns:p14="http://schemas.microsoft.com/office/powerpoint/2010/main" val="3043091989"/>
+        <p14:creationId xmlns:p14="http://schemas.microsoft.com/office/powerpoint/2010/main" val="3754500471"/>
       </p:ext>
     </p:extLst>
   </p:cSld>
@@ -3683,7 +3973,7 @@
           <p:cNvPr id="2" name="Titel 1">
             <a:extLst>
               <a:ext uri="{FF2B5EF4-FFF2-40B4-BE49-F238E27FC236}">
-                <a16:creationId xmlns:a16="http://schemas.microsoft.com/office/drawing/2014/main" id="{A939DC8F-379E-0543-6589-31A0D905F1E6}"/>
+                <a16:creationId xmlns:a16="http://schemas.microsoft.com/office/drawing/2014/main" id="{B22167F9-CFCD-9566-124A-9F5980BC373C}"/>
               </a:ext>
             </a:extLst>
           </p:cNvPr>
@@ -3701,51 +3991,88 @@
           <a:p>
             <a:r>
               <a:rPr lang="de-DE" dirty="0"/>
-              <a:t>4. </a:t>
-            </a:r>
-            <a:r>
-              <a:rPr lang="de-DE" b="0" i="0" dirty="0">
+              <a:t>3. Projektplan</a:t>
+            </a:r>
+          </a:p>
+        </p:txBody>
+      </p:sp>
+      <p:sp>
+        <p:nvSpPr>
+          <p:cNvPr id="3" name="Inhaltsplatzhalter 2">
+            <a:extLst>
+              <a:ext uri="{FF2B5EF4-FFF2-40B4-BE49-F238E27FC236}">
+                <a16:creationId xmlns:a16="http://schemas.microsoft.com/office/drawing/2014/main" id="{4306CC4E-E49D-8C53-3D0D-A29E7B3DF4EC}"/>
+              </a:ext>
+            </a:extLst>
+          </p:cNvPr>
+          <p:cNvSpPr>
+            <a:spLocks noGrp="1"/>
+          </p:cNvSpPr>
+          <p:nvPr>
+            <p:ph idx="1"/>
+          </p:nvPr>
+        </p:nvSpPr>
+        <p:spPr/>
+        <p:txBody>
+          <a:bodyPr/>
+          <a:lstStyle/>
+          <a:p>
+            <a:r>
+              <a:rPr lang="de-DE" dirty="0"/>
+              <a:t>Gantt-Diagramm:</a:t>
+            </a:r>
+          </a:p>
+        </p:txBody>
+      </p:sp>
+      <p:pic>
+        <p:nvPicPr>
+          <p:cNvPr id="2050" name="Picture 2">
+            <a:extLst>
+              <a:ext uri="{FF2B5EF4-FFF2-40B4-BE49-F238E27FC236}">
+                <a16:creationId xmlns:a16="http://schemas.microsoft.com/office/drawing/2014/main" id="{745A9EF3-2EA0-E665-2E41-E4497BF00143}"/>
+              </a:ext>
+            </a:extLst>
+          </p:cNvPr>
+          <p:cNvPicPr>
+            <a:picLocks noChangeAspect="1" noChangeArrowheads="1"/>
+          </p:cNvPicPr>
+          <p:nvPr/>
+        </p:nvPicPr>
+        <p:blipFill rotWithShape="1">
+          <a:blip r:embed="rId2">
+            <a:extLst>
+              <a:ext uri="{28A0092B-C50C-407E-A947-70E740481C1C}">
+                <a14:useLocalDpi xmlns:a14="http://schemas.microsoft.com/office/drawing/2010/main" val="0"/>
+              </a:ext>
+            </a:extLst>
+          </a:blip>
+          <a:srcRect l="30558" b="-5285"/>
+          <a:stretch/>
+        </p:blipFill>
+        <p:spPr bwMode="auto">
+          <a:xfrm>
+            <a:off x="245079" y="2864360"/>
+            <a:ext cx="11701842" cy="2273867"/>
+          </a:xfrm>
+          <a:prstGeom prst="rect">
+            <a:avLst/>
+          </a:prstGeom>
+          <a:noFill/>
+          <a:extLst>
+            <a:ext uri="{909E8E84-426E-40DD-AFC4-6F175D3DCCD1}">
+              <a14:hiddenFill xmlns:a14="http://schemas.microsoft.com/office/drawing/2010/main">
                 <a:solidFill>
-                  <a:srgbClr val="1D2125"/>
+                  <a:srgbClr val="FFFFFF"/>
                 </a:solidFill>
-                <a:effectLst/>
-                <a:latin typeface="-apple-system"/>
-              </a:rPr>
-              <a:t>Architektur und Verhalten</a:t>
-            </a:r>
-            <a:endParaRPr lang="de-DE" dirty="0"/>
-          </a:p>
-        </p:txBody>
-      </p:sp>
-      <p:sp>
-        <p:nvSpPr>
-          <p:cNvPr id="3" name="Inhaltsplatzhalter 2">
-            <a:extLst>
-              <a:ext uri="{FF2B5EF4-FFF2-40B4-BE49-F238E27FC236}">
-                <a16:creationId xmlns:a16="http://schemas.microsoft.com/office/drawing/2014/main" id="{D8E50BCF-AAAE-89B3-76A7-CBB66F83DF9F}"/>
-              </a:ext>
-            </a:extLst>
-          </p:cNvPr>
-          <p:cNvSpPr>
-            <a:spLocks noGrp="1"/>
-          </p:cNvSpPr>
-          <p:nvPr>
-            <p:ph idx="1"/>
-          </p:nvPr>
-        </p:nvSpPr>
-        <p:spPr/>
-        <p:txBody>
-          <a:bodyPr/>
-          <a:lstStyle/>
-          <a:p>
-            <a:endParaRPr lang="de-DE"/>
-          </a:p>
-        </p:txBody>
-      </p:sp>
+              </a14:hiddenFill>
+            </a:ext>
+          </a:extLst>
+        </p:spPr>
+      </p:pic>
     </p:spTree>
     <p:extLst>
       <p:ext uri="{BB962C8B-B14F-4D97-AF65-F5344CB8AC3E}">
-        <p14:creationId xmlns:p14="http://schemas.microsoft.com/office/powerpoint/2010/main" val="124535697"/>
+        <p14:creationId xmlns:p14="http://schemas.microsoft.com/office/powerpoint/2010/main" val="3043091989"/>
       </p:ext>
     </p:extLst>
   </p:cSld>
@@ -3760,7 +4087,13 @@
   <p:cSld>
     <p:spTree>
       <p:nvGrpSpPr>
-        <p:cNvPr id="1" name=""/>
+        <p:cNvPr id="1" name="">
+          <a:extLst>
+            <a:ext uri="{FF2B5EF4-FFF2-40B4-BE49-F238E27FC236}">
+              <a16:creationId xmlns:a16="http://schemas.microsoft.com/office/drawing/2014/main" id="{A9EEA307-D178-FFFB-AFFF-A11EDF0E3ADA}"/>
+            </a:ext>
+          </a:extLst>
+        </p:cNvPr>
         <p:cNvGrpSpPr/>
         <p:nvPr/>
       </p:nvGrpSpPr>
@@ -3777,7 +4110,7 @@
           <p:cNvPr id="2" name="Titel 1">
             <a:extLst>
               <a:ext uri="{FF2B5EF4-FFF2-40B4-BE49-F238E27FC236}">
-                <a16:creationId xmlns:a16="http://schemas.microsoft.com/office/drawing/2014/main" id="{C2AC92BC-771A-3266-2C74-339527E2BE4E}"/>
+                <a16:creationId xmlns:a16="http://schemas.microsoft.com/office/drawing/2014/main" id="{4E30D5F6-909B-2754-BD80-19EE2590D7A5}"/>
               </a:ext>
             </a:extLst>
           </p:cNvPr>
@@ -3794,16 +4127,9 @@
           <a:lstStyle/>
           <a:p>
             <a:r>
-              <a:rPr lang="de-DE" b="0" i="0" dirty="0">
-                <a:solidFill>
-                  <a:srgbClr val="1D2125"/>
-                </a:solidFill>
-                <a:effectLst/>
-                <a:latin typeface="-apple-system"/>
-              </a:rPr>
-              <a:t>5. Implementierung</a:t>
-            </a:r>
-            <a:endParaRPr lang="de-DE" dirty="0"/>
+              <a:rPr lang="de-DE" dirty="0"/>
+              <a:t>3. Projektplan</a:t>
+            </a:r>
           </a:p>
         </p:txBody>
       </p:sp>
@@ -3812,7 +4138,7 @@
           <p:cNvPr id="3" name="Inhaltsplatzhalter 2">
             <a:extLst>
               <a:ext uri="{FF2B5EF4-FFF2-40B4-BE49-F238E27FC236}">
-                <a16:creationId xmlns:a16="http://schemas.microsoft.com/office/drawing/2014/main" id="{3F11424E-330A-9AA1-811B-B7A3547AEEFD}"/>
+                <a16:creationId xmlns:a16="http://schemas.microsoft.com/office/drawing/2014/main" id="{BFEE68E2-5393-B795-84F6-65F7957C547D}"/>
               </a:ext>
             </a:extLst>
           </p:cNvPr>
@@ -3828,14 +4154,17 @@
           <a:bodyPr/>
           <a:lstStyle/>
           <a:p>
-            <a:endParaRPr lang="de-DE"/>
+            <a:r>
+              <a:rPr lang="de-DE" dirty="0"/>
+              <a:t>Kosten:</a:t>
+            </a:r>
           </a:p>
         </p:txBody>
       </p:sp>
     </p:spTree>
     <p:extLst>
       <p:ext uri="{BB962C8B-B14F-4D97-AF65-F5344CB8AC3E}">
-        <p14:creationId xmlns:p14="http://schemas.microsoft.com/office/powerpoint/2010/main" val="2732854700"/>
+        <p14:creationId xmlns:p14="http://schemas.microsoft.com/office/powerpoint/2010/main" val="3051607670"/>
       </p:ext>
     </p:extLst>
   </p:cSld>
@@ -3850,7 +4179,13 @@
   <p:cSld>
     <p:spTree>
       <p:nvGrpSpPr>
-        <p:cNvPr id="1" name=""/>
+        <p:cNvPr id="1" name="">
+          <a:extLst>
+            <a:ext uri="{FF2B5EF4-FFF2-40B4-BE49-F238E27FC236}">
+              <a16:creationId xmlns:a16="http://schemas.microsoft.com/office/drawing/2014/main" id="{DC631388-79B8-BBB8-107F-C52FD034B493}"/>
+            </a:ext>
+          </a:extLst>
+        </p:cNvPr>
         <p:cNvGrpSpPr/>
         <p:nvPr/>
       </p:nvGrpSpPr>
@@ -3867,7 +4202,7 @@
           <p:cNvPr id="2" name="Titel 1">
             <a:extLst>
               <a:ext uri="{FF2B5EF4-FFF2-40B4-BE49-F238E27FC236}">
-                <a16:creationId xmlns:a16="http://schemas.microsoft.com/office/drawing/2014/main" id="{48629F25-98C8-FC66-3209-B20CD6858FC1}"/>
+                <a16:creationId xmlns:a16="http://schemas.microsoft.com/office/drawing/2014/main" id="{99B15FCE-3893-49BB-04A9-BC3E29D9BB27}"/>
               </a:ext>
             </a:extLst>
           </p:cNvPr>
@@ -3885,7 +4220,7 @@
           <a:p>
             <a:r>
               <a:rPr lang="de-DE" dirty="0"/>
-              <a:t>6. </a:t>
+              <a:t>4. </a:t>
             </a:r>
             <a:r>
               <a:rPr lang="de-DE" b="0" i="0" dirty="0">
@@ -3895,7 +4230,7 @@
                 <a:effectLst/>
                 <a:latin typeface="-apple-system"/>
               </a:rPr>
-              <a:t>Test</a:t>
+              <a:t>Architektur und Verhalten</a:t>
             </a:r>
             <a:endParaRPr lang="de-DE" dirty="0"/>
           </a:p>
@@ -3906,7 +4241,7 @@
           <p:cNvPr id="3" name="Inhaltsplatzhalter 2">
             <a:extLst>
               <a:ext uri="{FF2B5EF4-FFF2-40B4-BE49-F238E27FC236}">
-                <a16:creationId xmlns:a16="http://schemas.microsoft.com/office/drawing/2014/main" id="{2F898F20-E12A-FF57-E4F0-C5AE75A2F934}"/>
+                <a16:creationId xmlns:a16="http://schemas.microsoft.com/office/drawing/2014/main" id="{D02630DC-176F-91EA-4AD1-81CB86D22716}"/>
               </a:ext>
             </a:extLst>
           </p:cNvPr>
@@ -3922,14 +4257,21 @@
           <a:bodyPr/>
           <a:lstStyle/>
           <a:p>
-            <a:endParaRPr lang="de-DE"/>
+            <a:r>
+              <a:rPr lang="de-DE" dirty="0" err="1"/>
+              <a:t>TopLevel</a:t>
+            </a:r>
+            <a:r>
+              <a:rPr lang="de-DE" dirty="0"/>
+              <a:t> Diagramm:</a:t>
+            </a:r>
           </a:p>
         </p:txBody>
       </p:sp>
     </p:spTree>
     <p:extLst>
       <p:ext uri="{BB962C8B-B14F-4D97-AF65-F5344CB8AC3E}">
-        <p14:creationId xmlns:p14="http://schemas.microsoft.com/office/powerpoint/2010/main" val="825534152"/>
+        <p14:creationId xmlns:p14="http://schemas.microsoft.com/office/powerpoint/2010/main" val="3107194649"/>
       </p:ext>
     </p:extLst>
   </p:cSld>
@@ -3961,7 +4303,7 @@
           <p:cNvPr id="2" name="Titel 1">
             <a:extLst>
               <a:ext uri="{FF2B5EF4-FFF2-40B4-BE49-F238E27FC236}">
-                <a16:creationId xmlns:a16="http://schemas.microsoft.com/office/drawing/2014/main" id="{1EF062CF-EC8D-D9BF-0A64-470A095104AD}"/>
+                <a16:creationId xmlns:a16="http://schemas.microsoft.com/office/drawing/2014/main" id="{A939DC8F-379E-0543-6589-31A0D905F1E6}"/>
               </a:ext>
             </a:extLst>
           </p:cNvPr>
@@ -3979,7 +4321,7 @@
           <a:p>
             <a:r>
               <a:rPr lang="de-DE" dirty="0"/>
-              <a:t>7. </a:t>
+              <a:t>4. </a:t>
             </a:r>
             <a:r>
               <a:rPr lang="de-DE" b="0" i="0" dirty="0">
@@ -3989,7 +4331,7 @@
                 <a:effectLst/>
                 <a:latin typeface="-apple-system"/>
               </a:rPr>
-              <a:t>Fazit und Ausblick</a:t>
+              <a:t>Architektur und Verhalten</a:t>
             </a:r>
             <a:endParaRPr lang="de-DE" dirty="0"/>
           </a:p>
@@ -4000,7 +4342,7 @@
           <p:cNvPr id="3" name="Inhaltsplatzhalter 2">
             <a:extLst>
               <a:ext uri="{FF2B5EF4-FFF2-40B4-BE49-F238E27FC236}">
-                <a16:creationId xmlns:a16="http://schemas.microsoft.com/office/drawing/2014/main" id="{10DB06EC-AA2A-E7E4-3A4A-DD8F9D322768}"/>
+                <a16:creationId xmlns:a16="http://schemas.microsoft.com/office/drawing/2014/main" id="{D8E50BCF-AAAE-89B3-76A7-CBB66F83DF9F}"/>
               </a:ext>
             </a:extLst>
           </p:cNvPr>
@@ -4016,14 +4358,281 @@
           <a:bodyPr/>
           <a:lstStyle/>
           <a:p>
-            <a:endParaRPr lang="de-DE"/>
-          </a:p>
-        </p:txBody>
-      </p:sp>
+            <a:r>
+              <a:rPr lang="de-DE" dirty="0"/>
+              <a:t>Sequenz Diagramm:</a:t>
+            </a:r>
+          </a:p>
+        </p:txBody>
+      </p:sp>
+      <p:pic>
+        <p:nvPicPr>
+          <p:cNvPr id="1026" name="Picture 2">
+            <a:extLst>
+              <a:ext uri="{FF2B5EF4-FFF2-40B4-BE49-F238E27FC236}">
+                <a16:creationId xmlns:a16="http://schemas.microsoft.com/office/drawing/2014/main" id="{4D9D7E1F-2C2A-678F-134B-DA6C29A94793}"/>
+              </a:ext>
+            </a:extLst>
+          </p:cNvPr>
+          <p:cNvPicPr>
+            <a:picLocks noChangeAspect="1" noChangeArrowheads="1"/>
+          </p:cNvPicPr>
+          <p:nvPr/>
+        </p:nvPicPr>
+        <p:blipFill>
+          <a:blip r:embed="rId2">
+            <a:extLst>
+              <a:ext uri="{28A0092B-C50C-407E-A947-70E740481C1C}">
+                <a14:useLocalDpi xmlns:a14="http://schemas.microsoft.com/office/drawing/2010/main" val="0"/>
+              </a:ext>
+            </a:extLst>
+          </a:blip>
+          <a:srcRect/>
+          <a:stretch>
+            <a:fillRect/>
+          </a:stretch>
+        </p:blipFill>
+        <p:spPr bwMode="auto">
+          <a:xfrm>
+            <a:off x="945696" y="2282825"/>
+            <a:ext cx="9297762" cy="4397590"/>
+          </a:xfrm>
+          <a:prstGeom prst="rect">
+            <a:avLst/>
+          </a:prstGeom>
+          <a:noFill/>
+          <a:extLst>
+            <a:ext uri="{909E8E84-426E-40DD-AFC4-6F175D3DCCD1}">
+              <a14:hiddenFill xmlns:a14="http://schemas.microsoft.com/office/drawing/2010/main">
+                <a:solidFill>
+                  <a:srgbClr val="FFFFFF"/>
+                </a:solidFill>
+              </a14:hiddenFill>
+            </a:ext>
+          </a:extLst>
+        </p:spPr>
+      </p:pic>
     </p:spTree>
     <p:extLst>
       <p:ext uri="{BB962C8B-B14F-4D97-AF65-F5344CB8AC3E}">
-        <p14:creationId xmlns:p14="http://schemas.microsoft.com/office/powerpoint/2010/main" val="2899709994"/>
+        <p14:creationId xmlns:p14="http://schemas.microsoft.com/office/powerpoint/2010/main" val="124535697"/>
+      </p:ext>
+    </p:extLst>
+  </p:cSld>
+  <p:clrMapOvr>
+    <a:masterClrMapping/>
+  </p:clrMapOvr>
+</p:sld>
+</file>
+
+<file path=ppt/slides/slide9.xml><?xml version="1.0" encoding="utf-8"?>
+<p:sld xmlns:a="http://schemas.openxmlformats.org/drawingml/2006/main" xmlns:r="http://schemas.openxmlformats.org/officeDocument/2006/relationships" xmlns:p="http://schemas.openxmlformats.org/presentationml/2006/main">
+  <p:cSld>
+    <p:spTree>
+      <p:nvGrpSpPr>
+        <p:cNvPr id="1" name=""/>
+        <p:cNvGrpSpPr/>
+        <p:nvPr/>
+      </p:nvGrpSpPr>
+      <p:grpSpPr>
+        <a:xfrm>
+          <a:off x="0" y="0"/>
+          <a:ext cx="0" cy="0"/>
+          <a:chOff x="0" y="0"/>
+          <a:chExt cx="0" cy="0"/>
+        </a:xfrm>
+      </p:grpSpPr>
+      <p:sp>
+        <p:nvSpPr>
+          <p:cNvPr id="2" name="Titel 1">
+            <a:extLst>
+              <a:ext uri="{FF2B5EF4-FFF2-40B4-BE49-F238E27FC236}">
+                <a16:creationId xmlns:a16="http://schemas.microsoft.com/office/drawing/2014/main" id="{C2AC92BC-771A-3266-2C74-339527E2BE4E}"/>
+              </a:ext>
+            </a:extLst>
+          </p:cNvPr>
+          <p:cNvSpPr>
+            <a:spLocks noGrp="1"/>
+          </p:cNvSpPr>
+          <p:nvPr>
+            <p:ph type="title"/>
+          </p:nvPr>
+        </p:nvSpPr>
+        <p:spPr/>
+        <p:txBody>
+          <a:bodyPr/>
+          <a:lstStyle/>
+          <a:p>
+            <a:r>
+              <a:rPr lang="de-DE" b="0" i="0" dirty="0">
+                <a:solidFill>
+                  <a:srgbClr val="1D2125"/>
+                </a:solidFill>
+                <a:effectLst/>
+                <a:latin typeface="-apple-system"/>
+              </a:rPr>
+              <a:t>5. Implementierung</a:t>
+            </a:r>
+            <a:endParaRPr lang="de-DE" dirty="0"/>
+          </a:p>
+        </p:txBody>
+      </p:sp>
+      <p:sp>
+        <p:nvSpPr>
+          <p:cNvPr id="3" name="Inhaltsplatzhalter 2">
+            <a:extLst>
+              <a:ext uri="{FF2B5EF4-FFF2-40B4-BE49-F238E27FC236}">
+                <a16:creationId xmlns:a16="http://schemas.microsoft.com/office/drawing/2014/main" id="{3F11424E-330A-9AA1-811B-B7A3547AEEFD}"/>
+              </a:ext>
+            </a:extLst>
+          </p:cNvPr>
+          <p:cNvSpPr>
+            <a:spLocks noGrp="1"/>
+          </p:cNvSpPr>
+          <p:nvPr>
+            <p:ph idx="1"/>
+          </p:nvPr>
+        </p:nvSpPr>
+        <p:spPr/>
+        <p:txBody>
+          <a:bodyPr>
+            <a:normAutofit/>
+          </a:bodyPr>
+          <a:lstStyle/>
+          <a:p>
+            <a:r>
+              <a:rPr lang="de-DE" b="0" i="0" dirty="0">
+                <a:solidFill>
+                  <a:srgbClr val="1D2125"/>
+                </a:solidFill>
+                <a:effectLst/>
+                <a:latin typeface="-apple-system"/>
+              </a:rPr>
+              <a:t>Kodierungsrichtlinien</a:t>
+            </a:r>
+          </a:p>
+          <a:p>
+            <a:pPr lvl="1"/>
+            <a:r>
+              <a:rPr lang="de-DE" dirty="0">
+                <a:solidFill>
+                  <a:srgbClr val="1D2125"/>
+                </a:solidFill>
+                <a:latin typeface="-apple-system"/>
+              </a:rPr>
+              <a:t>Klassennamen werden groß geschrieben</a:t>
+            </a:r>
+          </a:p>
+          <a:p>
+            <a:pPr lvl="1"/>
+            <a:r>
+              <a:rPr lang="de-DE" b="0" i="0" dirty="0">
+                <a:solidFill>
+                  <a:srgbClr val="1D2125"/>
+                </a:solidFill>
+                <a:effectLst/>
+                <a:latin typeface="-apple-system"/>
+              </a:rPr>
+              <a:t>Objekte, Variablen und </a:t>
+            </a:r>
+            <a:r>
+              <a:rPr lang="de-DE" dirty="0">
+                <a:solidFill>
+                  <a:srgbClr val="1D2125"/>
+                </a:solidFill>
+                <a:latin typeface="-apple-system"/>
+              </a:rPr>
+              <a:t>Funktionsnamen </a:t>
+            </a:r>
+            <a:r>
+              <a:rPr lang="de-DE" b="0" i="0" dirty="0">
+                <a:solidFill>
+                  <a:srgbClr val="1D2125"/>
+                </a:solidFill>
+                <a:effectLst/>
+                <a:latin typeface="-apple-system"/>
+              </a:rPr>
+              <a:t>werden klein geschrieben</a:t>
+            </a:r>
+          </a:p>
+          <a:p>
+            <a:pPr lvl="1"/>
+            <a:r>
+              <a:rPr lang="de-DE" dirty="0">
+                <a:solidFill>
+                  <a:srgbClr val="1D2125"/>
+                </a:solidFill>
+                <a:latin typeface="-apple-system"/>
+              </a:rPr>
+              <a:t>Wörter in Variablen werden groß geschrieben z.B. </a:t>
+            </a:r>
+            <a:r>
+              <a:rPr lang="de-DE" dirty="0" err="1">
+                <a:solidFill>
+                  <a:srgbClr val="1D2125"/>
+                </a:solidFill>
+                <a:latin typeface="-apple-system"/>
+              </a:rPr>
+              <a:t>currentAngle</a:t>
+            </a:r>
+            <a:endParaRPr lang="de-DE" b="0" i="0" dirty="0">
+              <a:solidFill>
+                <a:srgbClr val="1D2125"/>
+              </a:solidFill>
+              <a:effectLst/>
+              <a:latin typeface="-apple-system"/>
+            </a:endParaRPr>
+          </a:p>
+          <a:p>
+            <a:pPr marL="0" indent="0">
+              <a:buNone/>
+            </a:pPr>
+            <a:endParaRPr lang="de-DE" dirty="0"/>
+          </a:p>
+          <a:p>
+            <a:r>
+              <a:rPr lang="de-DE" dirty="0"/>
+              <a:t>Programmiersprachen: </a:t>
+            </a:r>
+          </a:p>
+          <a:p>
+            <a:pPr lvl="1"/>
+            <a:r>
+              <a:rPr lang="de-DE" dirty="0"/>
+              <a:t>Android App: </a:t>
+            </a:r>
+            <a:r>
+              <a:rPr lang="de-DE" dirty="0" err="1"/>
+              <a:t>Kotlin</a:t>
+            </a:r>
+            <a:r>
+              <a:rPr lang="de-DE" dirty="0"/>
+              <a:t>, Java</a:t>
+            </a:r>
+          </a:p>
+          <a:p>
+            <a:pPr lvl="1"/>
+            <a:r>
+              <a:rPr lang="de-DE" dirty="0"/>
+              <a:t>Raspberry Pi Pico 2 W: Python</a:t>
+            </a:r>
+          </a:p>
+          <a:p>
+            <a:pPr lvl="1"/>
+            <a:endParaRPr lang="de-DE" dirty="0"/>
+          </a:p>
+          <a:p>
+            <a:pPr marL="457200" lvl="1" indent="0">
+              <a:buNone/>
+            </a:pPr>
+            <a:endParaRPr lang="de-DE" dirty="0"/>
+          </a:p>
+        </p:txBody>
+      </p:sp>
+    </p:spTree>
+    <p:extLst>
+      <p:ext uri="{BB962C8B-B14F-4D97-AF65-F5344CB8AC3E}">
+        <p14:creationId xmlns:p14="http://schemas.microsoft.com/office/powerpoint/2010/main" val="2732854700"/>
       </p:ext>
     </p:extLst>
   </p:cSld>
